--- a/materi pertemuan/Create good app.pptx
+++ b/materi pertemuan/Create good app.pptx
@@ -4486,13 +4486,8 @@
           <a:p>
             <a:r>
               <a:rPr lang="en-US" dirty="0"/>
-              <a:t>5. </a:t>
-            </a:r>
-            <a:r>
-              <a:rPr lang="en-US" dirty="0" err="1"/>
-              <a:t>Maintenence</a:t>
-            </a:r>
-            <a:endParaRPr lang="en-US" dirty="0"/>
+              <a:t>5. Maintenance</a:t>
+            </a:r>
           </a:p>
         </p:txBody>
       </p:sp>
